--- a/Presentations/6a - Webservices.pptx
+++ b/Presentations/6a - Webservices.pptx
@@ -51,7 +51,7 @@
     <p:sldId id="294" r:id="rId42"/>
     <p:sldId id="295" r:id="rId43"/>
     <p:sldId id="296" r:id="rId44"/>
-    <p:sldId id="297" r:id="rId45"/>
+    <p:sldId id="298" r:id="rId45"/>
   </p:sldIdLst>
   <p:sldSz cx="9144000" cy="6858000" type="screen4x3"/>
   <p:notesSz cx="6858000" cy="9144000"/>
@@ -5051,7 +5051,7 @@
   <p:cSld>
     <p:spTree>
       <p:nvGrpSpPr>
-        <p:cNvPr id="1" name="Shape 704"/>
+        <p:cNvPr id="1" name="Shape 475"/>
         <p:cNvGrpSpPr/>
         <p:nvPr/>
       </p:nvGrpSpPr>
@@ -5065,7 +5065,7 @@
       </p:grpSpPr>
       <p:sp>
         <p:nvSpPr>
-          <p:cNvPr id="705" name="Shape 705"/>
+          <p:cNvPr id="476" name="Shape 476"/>
           <p:cNvSpPr txBox="1">
             <a:spLocks noGrp="1"/>
           </p:cNvSpPr>
@@ -5100,7 +5100,7 @@
       </p:sp>
       <p:sp>
         <p:nvSpPr>
-          <p:cNvPr id="706" name="Shape 706"/>
+          <p:cNvPr id="477" name="Shape 477"/>
           <p:cNvSpPr>
             <a:spLocks noGrp="1" noRot="1" noChangeAspect="1"/>
           </p:cNvSpPr>
@@ -46001,22 +46001,9 @@
 <file path=ppt/slides/slide42.xml><?xml version="1.0" encoding="utf-8"?>
 <p:sld xmlns:a="http://schemas.openxmlformats.org/drawingml/2006/main" xmlns:r="http://schemas.openxmlformats.org/officeDocument/2006/relationships" xmlns:p="http://schemas.openxmlformats.org/presentationml/2006/main">
   <p:cSld>
-    <p:bg>
-      <p:bgPr>
-        <a:blipFill rotWithShape="1">
-          <a:blip r:embed="rId3">
-            <a:alphaModFix/>
-          </a:blip>
-          <a:stretch>
-            <a:fillRect/>
-          </a:stretch>
-        </a:blipFill>
-        <a:effectLst/>
-      </p:bgPr>
-    </p:bg>
     <p:spTree>
       <p:nvGrpSpPr>
-        <p:cNvPr id="1" name="Shape 700"/>
+        <p:cNvPr id="1" name="Shape 471"/>
         <p:cNvGrpSpPr/>
         <p:nvPr/>
       </p:nvGrpSpPr>
@@ -46030,12 +46017,12 @@
       </p:grpSpPr>
       <p:pic>
         <p:nvPicPr>
-          <p:cNvPr id="701" name="Shape 701"/>
+          <p:cNvPr id="472" name="Shape 472"/>
           <p:cNvPicPr preferRelativeResize="0"/>
           <p:nvPr/>
         </p:nvPicPr>
         <p:blipFill rotWithShape="1">
-          <a:blip r:embed="rId4">
+          <a:blip r:embed="rId3">
             <a:alphaModFix/>
           </a:blip>
           <a:srcRect/>
@@ -46057,7 +46044,7 @@
       </p:pic>
       <p:sp>
         <p:nvSpPr>
-          <p:cNvPr id="702" name="Shape 702"/>
+          <p:cNvPr id="473" name="Shape 473"/>
           <p:cNvSpPr txBox="1"/>
           <p:nvPr/>
         </p:nvSpPr>
@@ -46114,7 +46101,7 @@
       </p:sp>
       <p:sp>
         <p:nvSpPr>
-          <p:cNvPr id="703" name="Shape 703"/>
+          <p:cNvPr id="474" name="Shape 474"/>
           <p:cNvSpPr txBox="1"/>
           <p:nvPr/>
         </p:nvSpPr>
@@ -46155,7 +46142,7 @@
               <a:buNone/>
             </a:pPr>
             <a:r>
-              <a:rPr lang="en-US" sz="2000" b="0" i="0" u="none" strike="noStrike" cap="none" baseline="0">
+              <a:rPr lang="en-US" sz="2000" b="0" i="0" u="none" strike="noStrike" cap="none" baseline="0" dirty="0" err="1" smtClean="0">
                 <a:solidFill>
                   <a:schemeClr val="dk1"/>
                 </a:solidFill>
@@ -46164,8 +46151,29 @@
                 <a:cs typeface="Open Sans"/>
                 <a:sym typeface="Open Sans"/>
               </a:rPr>
-              <a:t>Ido Barash</a:t>
+              <a:t>Chaim</a:t>
             </a:r>
+            <a:r>
+              <a:rPr lang="en-US" sz="2000" b="0" i="0" u="none" strike="noStrike" cap="none" baseline="0" dirty="0" smtClean="0">
+                <a:solidFill>
+                  <a:schemeClr val="dk1"/>
+                </a:solidFill>
+                <a:latin typeface="Open Sans"/>
+                <a:ea typeface="Open Sans"/>
+                <a:cs typeface="Open Sans"/>
+                <a:sym typeface="Open Sans"/>
+              </a:rPr>
+              <a:t> Turkel</a:t>
+            </a:r>
+            <a:endParaRPr lang="en-US" sz="2000" b="0" i="0" u="none" strike="noStrike" cap="none" baseline="0" dirty="0">
+              <a:solidFill>
+                <a:schemeClr val="dk1"/>
+              </a:solidFill>
+              <a:latin typeface="Open Sans"/>
+              <a:ea typeface="Open Sans"/>
+              <a:cs typeface="Open Sans"/>
+              <a:sym typeface="Open Sans"/>
+            </a:endParaRPr>
           </a:p>
           <a:p>
             <a:pPr marL="0" marR="0" lvl="0" indent="0" algn="l" rtl="0">
@@ -46186,7 +46194,7 @@
               <a:buNone/>
             </a:pPr>
             <a:r>
-              <a:rPr lang="en-US" sz="2000" b="0" i="0" u="none" strike="noStrike" cap="none" baseline="0">
+              <a:rPr lang="en-US" sz="2000" b="0" i="0" u="none" strike="noStrike" cap="none" baseline="0" dirty="0">
                 <a:solidFill>
                   <a:schemeClr val="dk1"/>
                 </a:solidFill>
@@ -46195,8 +46203,53 @@
                 <a:cs typeface="Open Sans"/>
                 <a:sym typeface="Open Sans"/>
               </a:rPr>
-              <a:t>Email: ido.barash@tikalk.com</a:t>
+              <a:t>Email</a:t>
             </a:r>
+            <a:r>
+              <a:rPr lang="en-US" sz="2000" b="0" i="0" u="none" strike="noStrike" cap="none" baseline="0">
+                <a:solidFill>
+                  <a:schemeClr val="dk1"/>
+                </a:solidFill>
+                <a:latin typeface="Open Sans"/>
+                <a:ea typeface="Open Sans"/>
+                <a:cs typeface="Open Sans"/>
+                <a:sym typeface="Open Sans"/>
+              </a:rPr>
+              <a:t>: </a:t>
+            </a:r>
+            <a:r>
+              <a:rPr lang="en-US" sz="2000" smtClean="0">
+                <a:solidFill>
+                  <a:schemeClr val="dk1"/>
+                </a:solidFill>
+                <a:latin typeface="Open Sans"/>
+                <a:ea typeface="Open Sans"/>
+                <a:cs typeface="Open Sans"/>
+                <a:sym typeface="Open Sans"/>
+              </a:rPr>
+              <a:t>chaim</a:t>
+            </a:r>
+            <a:r>
+              <a:rPr lang="en-US" sz="2000" b="0" i="0" u="none" strike="noStrike" cap="none" baseline="0" smtClean="0">
+                <a:solidFill>
+                  <a:schemeClr val="dk1"/>
+                </a:solidFill>
+                <a:latin typeface="Open Sans"/>
+                <a:ea typeface="Open Sans"/>
+                <a:cs typeface="Open Sans"/>
+                <a:sym typeface="Open Sans"/>
+              </a:rPr>
+              <a:t>@tikalk.com</a:t>
+            </a:r>
+            <a:endParaRPr lang="en-US" sz="2000" b="0" i="0" u="none" strike="noStrike" cap="none" baseline="0" dirty="0">
+              <a:solidFill>
+                <a:schemeClr val="dk1"/>
+              </a:solidFill>
+              <a:latin typeface="Open Sans"/>
+              <a:ea typeface="Open Sans"/>
+              <a:cs typeface="Open Sans"/>
+              <a:sym typeface="Open Sans"/>
+            </a:endParaRPr>
           </a:p>
         </p:txBody>
       </p:sp>
